--- a/Images.pptx
+++ b/Images.pptx
@@ -124,6 +124,11 @@
       </a:defRPr>
     </a:lvl9pPr>
   </p:defaultTextStyle>
+  <p:extLst>
+    <p:ext uri="{EFAFB233-063F-42B5-8137-9DF3F51BA10A}">
+      <p15:sldGuideLst xmlns:p15="http://schemas.microsoft.com/office/powerpoint/2012/main"/>
+    </p:ext>
+  </p:extLst>
 </p:presentation>
 </file>
 
@@ -552,6 +557,90 @@
     <p:extLst>
       <p:ext uri="{BB962C8B-B14F-4D97-AF65-F5344CB8AC3E}">
         <p14:creationId xmlns:p14="http://schemas.microsoft.com/office/powerpoint/2010/main" val="670110602"/>
+      </p:ext>
+    </p:extLst>
+  </p:cSld>
+  <p:clrMapOvr>
+    <a:masterClrMapping/>
+  </p:clrMapOvr>
+</p:notes>
+</file>
+
+<file path=ppt/notesSlides/notesSlide2.xml><?xml version="1.0" encoding="utf-8"?>
+<p:notes xmlns:a="http://schemas.openxmlformats.org/drawingml/2006/main" xmlns:r="http://schemas.openxmlformats.org/officeDocument/2006/relationships" xmlns:p="http://schemas.openxmlformats.org/presentationml/2006/main">
+  <p:cSld>
+    <p:spTree>
+      <p:nvGrpSpPr>
+        <p:cNvPr id="1" name=""/>
+        <p:cNvGrpSpPr/>
+        <p:nvPr/>
+      </p:nvGrpSpPr>
+      <p:grpSpPr>
+        <a:xfrm>
+          <a:off x="0" y="0"/>
+          <a:ext cx="0" cy="0"/>
+          <a:chOff x="0" y="0"/>
+          <a:chExt cx="0" cy="0"/>
+        </a:xfrm>
+      </p:grpSpPr>
+      <p:sp>
+        <p:nvSpPr>
+          <p:cNvPr id="2" name="Marcador de imagen de diapositiva 1"/>
+          <p:cNvSpPr>
+            <a:spLocks noGrp="1" noRot="1" noChangeAspect="1"/>
+          </p:cNvSpPr>
+          <p:nvPr>
+            <p:ph type="sldImg"/>
+          </p:nvPr>
+        </p:nvSpPr>
+        <p:spPr/>
+      </p:sp>
+      <p:sp>
+        <p:nvSpPr>
+          <p:cNvPr id="3" name="Marcador de notas 2"/>
+          <p:cNvSpPr>
+            <a:spLocks noGrp="1"/>
+          </p:cNvSpPr>
+          <p:nvPr>
+            <p:ph type="body" idx="1"/>
+          </p:nvPr>
+        </p:nvSpPr>
+        <p:spPr/>
+        <p:txBody>
+          <a:bodyPr/>
+          <a:lstStyle/>
+          <a:p>
+            <a:endParaRPr lang="es-CO" dirty="0"/>
+          </a:p>
+        </p:txBody>
+      </p:sp>
+      <p:sp>
+        <p:nvSpPr>
+          <p:cNvPr id="4" name="Marcador de número de diapositiva 3"/>
+          <p:cNvSpPr>
+            <a:spLocks noGrp="1"/>
+          </p:cNvSpPr>
+          <p:nvPr>
+            <p:ph type="sldNum" sz="quarter" idx="5"/>
+          </p:nvPr>
+        </p:nvSpPr>
+        <p:spPr/>
+        <p:txBody>
+          <a:bodyPr/>
+          <a:lstStyle/>
+          <a:p>
+            <a:fld id="{9739476A-286D-450C-9EFC-9DE9DFF0854A}" type="slidenum">
+              <a:rPr lang="es-CO" smtClean="0"/>
+              <a:t>7</a:t>
+            </a:fld>
+            <a:endParaRPr lang="es-CO"/>
+          </a:p>
+        </p:txBody>
+      </p:sp>
+    </p:spTree>
+    <p:extLst>
+      <p:ext uri="{BB962C8B-B14F-4D97-AF65-F5344CB8AC3E}">
+        <p14:creationId xmlns:p14="http://schemas.microsoft.com/office/powerpoint/2010/main" val="3437210205"/>
       </p:ext>
     </p:extLst>
   </p:cSld>
@@ -4167,6 +4256,42 @@
           </a:prstGeom>
         </p:spPr>
       </p:pic>
+      <p:pic>
+        <p:nvPicPr>
+          <p:cNvPr id="3" name="Imagen 2">
+            <a:extLst>
+              <a:ext uri="{FF2B5EF4-FFF2-40B4-BE49-F238E27FC236}">
+                <a16:creationId xmlns:a16="http://schemas.microsoft.com/office/drawing/2014/main" id="{38A675EC-0DEE-47B0-8291-1094C3E2A06F}"/>
+              </a:ext>
+            </a:extLst>
+          </p:cNvPr>
+          <p:cNvPicPr>
+            <a:picLocks noChangeAspect="1"/>
+          </p:cNvPicPr>
+          <p:nvPr/>
+        </p:nvPicPr>
+        <p:blipFill>
+          <a:blip r:embed="rId3">
+            <a:extLst>
+              <a:ext uri="{28A0092B-C50C-407E-A947-70E740481C1C}">
+                <a14:useLocalDpi xmlns:a14="http://schemas.microsoft.com/office/drawing/2010/main" val="0"/>
+              </a:ext>
+            </a:extLst>
+          </a:blip>
+          <a:stretch>
+            <a:fillRect/>
+          </a:stretch>
+        </p:blipFill>
+        <p:spPr>
+          <a:xfrm>
+            <a:off x="3227381" y="0"/>
+            <a:ext cx="5737237" cy="6858000"/>
+          </a:xfrm>
+          <a:prstGeom prst="rect">
+            <a:avLst/>
+          </a:prstGeom>
+        </p:spPr>
+      </p:pic>
     </p:spTree>
     <p:extLst>
       <p:ext uri="{BB962C8B-B14F-4D97-AF65-F5344CB8AC3E}">
@@ -4225,7 +4350,7 @@
         </p:blipFill>
         <p:spPr>
           <a:xfrm>
-            <a:off x="3143250" y="547687"/>
+            <a:off x="3143250" y="504144"/>
             <a:ext cx="5905500" cy="5762625"/>
           </a:xfrm>
           <a:prstGeom prst="rect">
@@ -5121,10 +5246,10 @@
       </p:grpSpPr>
       <p:pic>
         <p:nvPicPr>
-          <p:cNvPr id="5" name="Imagen 4">
-            <a:extLst>
-              <a:ext uri="{FF2B5EF4-FFF2-40B4-BE49-F238E27FC236}">
-                <a16:creationId xmlns:a16="http://schemas.microsoft.com/office/drawing/2014/main" id="{5BBAEEF7-FC34-4B4F-A306-787CA8B938C4}"/>
+          <p:cNvPr id="3" name="Imagen 2">
+            <a:extLst>
+              <a:ext uri="{FF2B5EF4-FFF2-40B4-BE49-F238E27FC236}">
+                <a16:creationId xmlns:a16="http://schemas.microsoft.com/office/drawing/2014/main" id="{FFBF7B05-DBF8-47A1-8DE7-1B4A03E59208}"/>
               </a:ext>
             </a:extLst>
           </p:cNvPr>
@@ -5134,7 +5259,7 @@
           <p:nvPr/>
         </p:nvPicPr>
         <p:blipFill>
-          <a:blip r:embed="rId2">
+          <a:blip r:embed="rId3">
             <a:extLst>
               <a:ext uri="{28A0092B-C50C-407E-A947-70E740481C1C}">
                 <a14:useLocalDpi xmlns:a14="http://schemas.microsoft.com/office/drawing/2010/main" val="0"/>
@@ -5147,8 +5272,44 @@
         </p:blipFill>
         <p:spPr>
           <a:xfrm>
-            <a:off x="2667000" y="0"/>
-            <a:ext cx="6858000" cy="6858000"/>
+            <a:off x="2826657" y="112259"/>
+            <a:ext cx="5905500" cy="5762625"/>
+          </a:xfrm>
+          <a:prstGeom prst="rect">
+            <a:avLst/>
+          </a:prstGeom>
+        </p:spPr>
+      </p:pic>
+      <p:pic>
+        <p:nvPicPr>
+          <p:cNvPr id="4" name="Imagen 3">
+            <a:extLst>
+              <a:ext uri="{FF2B5EF4-FFF2-40B4-BE49-F238E27FC236}">
+                <a16:creationId xmlns:a16="http://schemas.microsoft.com/office/drawing/2014/main" id="{574BFCBB-7BF6-4238-94DA-834D8886DBBE}"/>
+              </a:ext>
+            </a:extLst>
+          </p:cNvPr>
+          <p:cNvPicPr>
+            <a:picLocks noChangeAspect="1"/>
+          </p:cNvPicPr>
+          <p:nvPr/>
+        </p:nvPicPr>
+        <p:blipFill>
+          <a:blip r:embed="rId4">
+            <a:extLst>
+              <a:ext uri="{28A0092B-C50C-407E-A947-70E740481C1C}">
+                <a14:useLocalDpi xmlns:a14="http://schemas.microsoft.com/office/drawing/2010/main" val="0"/>
+              </a:ext>
+            </a:extLst>
+          </a:blip>
+          <a:stretch>
+            <a:fillRect/>
+          </a:stretch>
+        </p:blipFill>
+        <p:spPr>
+          <a:xfrm>
+            <a:off x="2986314" y="2413000"/>
+            <a:ext cx="4299857" cy="4299857"/>
           </a:xfrm>
           <a:prstGeom prst="rect">
             <a:avLst/>
